--- a/Slideshow/Team Hackermen.pptx
+++ b/Slideshow/Team Hackermen.pptx
@@ -5292,6 +5292,13 @@
       </p:transition>
     </mc:Fallback>
   </mc:AlternateContent>
+  <p:timing>
+    <p:tnLst>
+      <p:par>
+        <p:cTn id="1" dur="indefinite" restart="never" nodeType="tmRoot"/>
+      </p:par>
+    </p:tnLst>
+  </p:timing>
 </p:sld>
 </file>
 
@@ -5608,6 +5615,13 @@
       </p:transition>
     </mc:Fallback>
   </mc:AlternateContent>
+  <p:timing>
+    <p:tnLst>
+      <p:par>
+        <p:cTn id="1" dur="indefinite" restart="never" nodeType="tmRoot"/>
+      </p:par>
+    </p:tnLst>
+  </p:timing>
 </p:sld>
 </file>
 
@@ -5729,6 +5743,13 @@
       </p:transition>
     </mc:Fallback>
   </mc:AlternateContent>
+  <p:timing>
+    <p:tnLst>
+      <p:par>
+        <p:cTn id="1" dur="indefinite" restart="never" nodeType="tmRoot"/>
+      </p:par>
+    </p:tnLst>
+  </p:timing>
 </p:sld>
 </file>
 
@@ -5845,6 +5866,13 @@
       </p:transition>
     </mc:Fallback>
   </mc:AlternateContent>
+  <p:timing>
+    <p:tnLst>
+      <p:par>
+        <p:cTn id="1" dur="indefinite" restart="never" nodeType="tmRoot"/>
+      </p:par>
+    </p:tnLst>
+  </p:timing>
 </p:sld>
 </file>
 
@@ -5888,6 +5916,36 @@
           </a:p>
         </p:txBody>
       </p:sp>
+      <p:pic>
+        <p:nvPicPr>
+          <p:cNvPr id="4" name="Picture 3"/>
+          <p:cNvPicPr>
+            <a:picLocks noChangeAspect="1"/>
+          </p:cNvPicPr>
+          <p:nvPr/>
+        </p:nvPicPr>
+        <p:blipFill>
+          <a:blip r:embed="rId3">
+            <a:extLst>
+              <a:ext uri="{28A0092B-C50C-407E-A947-70E740481C1C}">
+                <a14:useLocalDpi xmlns:a14="http://schemas.microsoft.com/office/drawing/2010/main" val="0"/>
+              </a:ext>
+            </a:extLst>
+          </a:blip>
+          <a:stretch>
+            <a:fillRect/>
+          </a:stretch>
+        </p:blipFill>
+        <p:spPr>
+          <a:xfrm>
+            <a:off x="2241012" y="1498600"/>
+            <a:ext cx="8425400" cy="5315600"/>
+          </a:xfrm>
+          <a:prstGeom prst="rect">
+            <a:avLst/>
+          </a:prstGeom>
+        </p:spPr>
+      </p:pic>
     </p:spTree>
     <p:extLst>
       <p:ext uri="{BB962C8B-B14F-4D97-AF65-F5344CB8AC3E}">
@@ -5910,6 +5968,13 @@
       </p:transition>
     </mc:Fallback>
   </mc:AlternateContent>
+  <p:timing>
+    <p:tnLst>
+      <p:par>
+        <p:cTn id="1" dur="indefinite" restart="never" nodeType="tmRoot"/>
+      </p:par>
+    </p:tnLst>
+  </p:timing>
 </p:sld>
 </file>
 
@@ -5982,6 +6047,13 @@
       </p:transition>
     </mc:Fallback>
   </mc:AlternateContent>
+  <p:timing>
+    <p:tnLst>
+      <p:par>
+        <p:cTn id="1" dur="indefinite" restart="never" nodeType="tmRoot"/>
+      </p:par>
+    </p:tnLst>
+  </p:timing>
 </p:sld>
 </file>
 
@@ -7138,15 +7210,6 @@
 </file>
 
 <file path=customXml/item1.xml><?xml version="1.0" encoding="utf-8"?>
-<?mso-contentType ?>
-<FormTemplates xmlns="http://schemas.microsoft.com/sharepoint/v3/contenttype/forms">
-  <Display>DocumentLibraryForm</Display>
-  <Edit>AssetEditForm</Edit>
-  <New>DocumentLibraryForm</New>
-</FormTemplates>
-</file>
-
-<file path=customXml/item2.xml><?xml version="1.0" encoding="utf-8"?>
 <p:properties xmlns:p="http://schemas.microsoft.com/office/2006/metadata/properties" xmlns:xsi="http://www.w3.org/2001/XMLSchema-instance" xmlns:pc="http://schemas.microsoft.com/office/infopath/2007/PartnerControls">
   <documentManagement>
     <LocPublishedLinkedAssetsLookup xmlns="4873beb7-5857-4685-be1f-d57550cc96cc" xsi:nil="true"/>
@@ -7280,6 +7343,15 @@
     <LocMarketGroupTiers2 xmlns="4873beb7-5857-4685-be1f-d57550cc96cc" xsi:nil="true"/>
   </documentManagement>
 </p:properties>
+</file>
+
+<file path=customXml/item2.xml><?xml version="1.0" encoding="utf-8"?>
+<?mso-contentType ?>
+<FormTemplates xmlns="http://schemas.microsoft.com/sharepoint/v3/contenttype/forms">
+  <Display>DocumentLibraryForm</Display>
+  <Edit>AssetEditForm</Edit>
+  <New>DocumentLibraryForm</New>
+</FormTemplates>
 </file>
 
 <file path=customXml/item3.xml><?xml version="1.0" encoding="utf-8"?>
@@ -8323,14 +8395,6 @@
 </file>
 
 <file path=customXml/itemProps1.xml><?xml version="1.0" encoding="utf-8"?>
-<ds:datastoreItem xmlns:ds="http://schemas.openxmlformats.org/officeDocument/2006/customXml" ds:itemID="{3836F65B-1B07-41EE-A0E8-BC6EF3855225}">
-  <ds:schemaRefs>
-    <ds:schemaRef ds:uri="http://schemas.microsoft.com/sharepoint/v3/contenttype/forms"/>
-  </ds:schemaRefs>
-</ds:datastoreItem>
-</file>
-
-<file path=customXml/itemProps2.xml><?xml version="1.0" encoding="utf-8"?>
 <ds:datastoreItem xmlns:ds="http://schemas.openxmlformats.org/officeDocument/2006/customXml" ds:itemID="{60C67BEE-D13F-4BD2-98A5-34D8A0977F68}">
   <ds:schemaRefs>
     <ds:schemaRef ds:uri="4873beb7-5857-4685-be1f-d57550cc96cc"/>
@@ -8342,6 +8406,14 @@
     <ds:schemaRef ds:uri="http://schemas.microsoft.com/office/infopath/2007/PartnerControls"/>
     <ds:schemaRef ds:uri="http://www.w3.org/XML/1998/namespace"/>
     <ds:schemaRef ds:uri="http://purl.org/dc/dcmitype/"/>
+  </ds:schemaRefs>
+</ds:datastoreItem>
+</file>
+
+<file path=customXml/itemProps2.xml><?xml version="1.0" encoding="utf-8"?>
+<ds:datastoreItem xmlns:ds="http://schemas.openxmlformats.org/officeDocument/2006/customXml" ds:itemID="{3836F65B-1B07-41EE-A0E8-BC6EF3855225}">
+  <ds:schemaRefs>
+    <ds:schemaRef ds:uri="http://schemas.microsoft.com/sharepoint/v3/contenttype/forms"/>
   </ds:schemaRefs>
 </ds:datastoreItem>
 </file>

--- a/Slideshow/Team Hackermen.pptx
+++ b/Slideshow/Team Hackermen.pptx
@@ -5,10 +5,10 @@
     <p:sldMasterId id="2147483660" r:id="rId4"/>
   </p:sldMasterIdLst>
   <p:notesMasterIdLst>
-    <p:notesMasterId r:id="rId16"/>
+    <p:notesMasterId r:id="rId14"/>
   </p:notesMasterIdLst>
   <p:handoutMasterIdLst>
-    <p:handoutMasterId r:id="rId17"/>
+    <p:handoutMasterId r:id="rId15"/>
   </p:handoutMasterIdLst>
   <p:sldIdLst>
     <p:sldId id="257" r:id="rId5"/>
@@ -17,11 +17,9 @@
     <p:sldId id="269" r:id="rId8"/>
     <p:sldId id="270" r:id="rId9"/>
     <p:sldId id="259" r:id="rId10"/>
-    <p:sldId id="261" r:id="rId11"/>
-    <p:sldId id="262" r:id="rId12"/>
-    <p:sldId id="263" r:id="rId13"/>
-    <p:sldId id="271" r:id="rId14"/>
-    <p:sldId id="265" r:id="rId15"/>
+    <p:sldId id="271" r:id="rId11"/>
+    <p:sldId id="261" r:id="rId12"/>
+    <p:sldId id="262" r:id="rId13"/>
   </p:sldIdLst>
   <p:sldSz cx="12188825" cy="6858000"/>
   <p:notesSz cx="6858000" cy="9144000"/>
@@ -235,7 +233,7 @@
           <a:p>
             <a:fld id="{FE5B4EDC-59C0-49C7-8ADA-5A781B329E02}" type="datetimeFigureOut">
               <a:rPr lang="en-US"/>
-              <a:t>2018-03-15</a:t>
+              <a:t>3/16/2018</a:t>
             </a:fld>
             <a:endParaRPr/>
           </a:p>
@@ -400,7 +398,7 @@
           <a:p>
             <a:fld id="{F2D8D46A-B586-417D-BFBD-8C8FE0AAF762}" type="datetimeFigureOut">
               <a:rPr lang="en-US"/>
-              <a:t>2018-03-15</a:t>
+              <a:t>3/16/2018</a:t>
             </a:fld>
             <a:endParaRPr/>
           </a:p>
@@ -1507,7 +1505,7 @@
           <a:p>
             <a:fld id="{F0DFD029-FB74-4578-B929-F66AA97659CA}" type="datetimeFigureOut">
               <a:rPr lang="en-US"/>
-              <a:t>2018-03-15</a:t>
+              <a:t>3/16/2018</a:t>
             </a:fld>
             <a:endParaRPr/>
           </a:p>
@@ -1705,7 +1703,7 @@
           <a:p>
             <a:fld id="{F0DFD029-FB74-4578-B929-F66AA97659CA}" type="datetimeFigureOut">
               <a:rPr lang="en-US"/>
-              <a:t>2018-03-15</a:t>
+              <a:t>3/16/2018</a:t>
             </a:fld>
             <a:endParaRPr/>
           </a:p>
@@ -1913,7 +1911,7 @@
           <a:p>
             <a:fld id="{F0DFD029-FB74-4578-B929-F66AA97659CA}" type="datetimeFigureOut">
               <a:rPr lang="en-US"/>
-              <a:t>2018-03-15</a:t>
+              <a:t>3/16/2018</a:t>
             </a:fld>
             <a:endParaRPr/>
           </a:p>
@@ -2111,7 +2109,7 @@
           <a:p>
             <a:fld id="{F0DFD029-FB74-4578-B929-F66AA97659CA}" type="datetimeFigureOut">
               <a:rPr lang="en-US"/>
-              <a:t>2018-03-15</a:t>
+              <a:t>3/16/2018</a:t>
             </a:fld>
             <a:endParaRPr/>
           </a:p>
@@ -2543,7 +2541,7 @@
           <a:p>
             <a:fld id="{F0DFD029-FB74-4578-B929-F66AA97659CA}" type="datetimeFigureOut">
               <a:rPr lang="en-US"/>
-              <a:t>2018-03-15</a:t>
+              <a:t>3/16/2018</a:t>
             </a:fld>
             <a:endParaRPr/>
           </a:p>
@@ -2847,7 +2845,7 @@
           <a:p>
             <a:fld id="{F0DFD029-FB74-4578-B929-F66AA97659CA}" type="datetimeFigureOut">
               <a:rPr lang="en-US"/>
-              <a:t>2018-03-15</a:t>
+              <a:t>3/16/2018</a:t>
             </a:fld>
             <a:endParaRPr/>
           </a:p>
@@ -3303,7 +3301,7 @@
           <a:p>
             <a:fld id="{F0DFD029-FB74-4578-B929-F66AA97659CA}" type="datetimeFigureOut">
               <a:rPr lang="en-US"/>
-              <a:t>2018-03-15</a:t>
+              <a:t>3/16/2018</a:t>
             </a:fld>
             <a:endParaRPr/>
           </a:p>
@@ -3433,7 +3431,7 @@
           <a:p>
             <a:fld id="{F0DFD029-FB74-4578-B929-F66AA97659CA}" type="datetimeFigureOut">
               <a:rPr lang="en-US"/>
-              <a:t>2018-03-15</a:t>
+              <a:t>3/16/2018</a:t>
             </a:fld>
             <a:endParaRPr/>
           </a:p>
@@ -3540,7 +3538,7 @@
           <a:p>
             <a:fld id="{F0DFD029-FB74-4578-B929-F66AA97659CA}" type="datetimeFigureOut">
               <a:rPr lang="en-US"/>
-              <a:t>2018-03-15</a:t>
+              <a:t>3/16/2018</a:t>
             </a:fld>
             <a:endParaRPr/>
           </a:p>
@@ -3839,7 +3837,7 @@
           <a:p>
             <a:fld id="{F0DFD029-FB74-4578-B929-F66AA97659CA}" type="datetimeFigureOut">
               <a:rPr lang="en-US"/>
-              <a:t>2018-03-15</a:t>
+              <a:t>3/16/2018</a:t>
             </a:fld>
             <a:endParaRPr/>
           </a:p>
@@ -4127,7 +4125,7 @@
           <a:p>
             <a:fld id="{F0DFD029-FB74-4578-B929-F66AA97659CA}" type="datetimeFigureOut">
               <a:rPr lang="en-US"/>
-              <a:t>2018-03-15</a:t>
+              <a:t>3/16/2018</a:t>
             </a:fld>
             <a:endParaRPr/>
           </a:p>
@@ -4750,7 +4748,7 @@
             <a:fld id="{F0DFD029-FB74-4578-B929-F66AA97659CA}" type="datetimeFigureOut">
               <a:rPr lang="en-US"/>
               <a:pPr/>
-              <a:t>2018-03-15</a:t>
+              <a:t>3/16/2018</a:t>
             </a:fld>
             <a:endParaRPr/>
           </a:p>
@@ -5237,11 +5235,7 @@
           <a:p>
             <a:r>
               <a:rPr lang="en-US" dirty="0" smtClean="0"/>
-              <a:t>Team </a:t>
-            </a:r>
-            <a:r>
-              <a:rPr lang="en-US" dirty="0" err="1" smtClean="0"/>
-              <a:t>Hackermen</a:t>
+              <a:t>Team Hackermen</a:t>
             </a:r>
             <a:endParaRPr lang="en-US" dirty="0"/>
           </a:p>
@@ -5270,6 +5264,36 @@
           </a:p>
         </p:txBody>
       </p:sp>
+      <p:pic>
+        <p:nvPicPr>
+          <p:cNvPr id="3" name="Picture 2"/>
+          <p:cNvPicPr>
+            <a:picLocks noChangeAspect="1"/>
+          </p:cNvPicPr>
+          <p:nvPr/>
+        </p:nvPicPr>
+        <p:blipFill>
+          <a:blip r:embed="rId2">
+            <a:extLst>
+              <a:ext uri="{28A0092B-C50C-407E-A947-70E740481C1C}">
+                <a14:useLocalDpi xmlns:a14="http://schemas.microsoft.com/office/drawing/2010/main" val="0"/>
+              </a:ext>
+            </a:extLst>
+          </a:blip>
+          <a:stretch>
+            <a:fillRect/>
+          </a:stretch>
+        </p:blipFill>
+        <p:spPr>
+          <a:xfrm>
+            <a:off x="4113212" y="3200400"/>
+            <a:ext cx="3581400" cy="2077212"/>
+          </a:xfrm>
+          <a:prstGeom prst="rect">
+            <a:avLst/>
+          </a:prstGeom>
+        </p:spPr>
+      </p:pic>
     </p:spTree>
     <p:extLst>
       <p:ext uri="{BB962C8B-B14F-4D97-AF65-F5344CB8AC3E}">
@@ -5280,14 +5304,14 @@
   <p:clrMapOvr>
     <a:masterClrMapping/>
   </p:clrMapOvr>
-  <mc:AlternateContent xmlns:mc="http://schemas.openxmlformats.org/markup-compatibility/2006" xmlns:p14="http://schemas.microsoft.com/office/powerpoint/2010/main">
-    <mc:Choice Requires="p14">
-      <p:transition spd="med" p14:dur="700">
-        <p:fade/>
+  <mc:AlternateContent xmlns:mc="http://schemas.openxmlformats.org/markup-compatibility/2006">
+    <mc:Choice xmlns:p14="http://schemas.microsoft.com/office/powerpoint/2010/main" Requires="p14">
+      <p:transition spd="slow" p14:dur="4000">
+        <p14:vortex dir="r"/>
       </p:transition>
     </mc:Choice>
-    <mc:Fallback xmlns="">
-      <p:transition spd="med">
+    <mc:Fallback>
+      <p:transition spd="slow">
         <p:fade/>
       </p:transition>
     </mc:Fallback>
@@ -5299,203 +5323,6 @@
       </p:par>
     </p:tnLst>
   </p:timing>
-</p:sld>
-</file>
-
-<file path=ppt/slides/slide10.xml><?xml version="1.0" encoding="utf-8"?>
-<p:sld xmlns:a="http://schemas.openxmlformats.org/drawingml/2006/main" xmlns:r="http://schemas.openxmlformats.org/officeDocument/2006/relationships" xmlns:p="http://schemas.openxmlformats.org/presentationml/2006/main">
-  <p:cSld>
-    <p:spTree>
-      <p:nvGrpSpPr>
-        <p:cNvPr id="1" name=""/>
-        <p:cNvGrpSpPr/>
-        <p:nvPr/>
-      </p:nvGrpSpPr>
-      <p:grpSpPr>
-        <a:xfrm>
-          <a:off x="0" y="0"/>
-          <a:ext cx="0" cy="0"/>
-          <a:chOff x="0" y="0"/>
-          <a:chExt cx="0" cy="0"/>
-        </a:xfrm>
-      </p:grpSpPr>
-      <p:sp>
-        <p:nvSpPr>
-          <p:cNvPr id="2" name="Title 1"/>
-          <p:cNvSpPr>
-            <a:spLocks noGrp="1"/>
-          </p:cNvSpPr>
-          <p:nvPr>
-            <p:ph type="title"/>
-          </p:nvPr>
-        </p:nvSpPr>
-        <p:spPr/>
-        <p:txBody>
-          <a:bodyPr/>
-          <a:lstStyle/>
-          <a:p>
-            <a:r>
-              <a:rPr lang="en-US" dirty="0"/>
-              <a:t>Add a Slide Title - 4</a:t>
-            </a:r>
-          </a:p>
-        </p:txBody>
-      </p:sp>
-      <p:sp>
-        <p:nvSpPr>
-          <p:cNvPr id="4" name="Text Placeholder 3"/>
-          <p:cNvSpPr>
-            <a:spLocks noGrp="1"/>
-          </p:cNvSpPr>
-          <p:nvPr>
-            <p:ph type="body" sz="half" idx="2"/>
-          </p:nvPr>
-        </p:nvSpPr>
-        <p:spPr/>
-        <p:txBody>
-          <a:bodyPr/>
-          <a:lstStyle/>
-          <a:p>
-            <a:endParaRPr lang="en-US" dirty="0"/>
-          </a:p>
-        </p:txBody>
-      </p:sp>
-      <p:sp>
-        <p:nvSpPr>
-          <p:cNvPr id="3" name="Content Placeholder 2"/>
-          <p:cNvSpPr>
-            <a:spLocks noGrp="1"/>
-          </p:cNvSpPr>
-          <p:nvPr>
-            <p:ph idx="1"/>
-          </p:nvPr>
-        </p:nvSpPr>
-        <p:spPr/>
-        <p:txBody>
-          <a:bodyPr/>
-          <a:lstStyle/>
-          <a:p>
-            <a:endParaRPr lang="en-US" dirty="0"/>
-          </a:p>
-        </p:txBody>
-      </p:sp>
-    </p:spTree>
-    <p:extLst>
-      <p:ext uri="{BB962C8B-B14F-4D97-AF65-F5344CB8AC3E}">
-        <p14:creationId xmlns:p14="http://schemas.microsoft.com/office/powerpoint/2010/main" val="2319046984"/>
-      </p:ext>
-    </p:extLst>
-  </p:cSld>
-  <p:clrMapOvr>
-    <a:masterClrMapping/>
-  </p:clrMapOvr>
-  <mc:AlternateContent xmlns:mc="http://schemas.openxmlformats.org/markup-compatibility/2006" xmlns:p14="http://schemas.microsoft.com/office/powerpoint/2010/main">
-    <mc:Choice Requires="p14">
-      <p:transition spd="med" p14:dur="700">
-        <p:fade/>
-      </p:transition>
-    </mc:Choice>
-    <mc:Fallback xmlns="">
-      <p:transition spd="med">
-        <p:fade/>
-      </p:transition>
-    </mc:Fallback>
-  </mc:AlternateContent>
-</p:sld>
-</file>
-
-<file path=ppt/slides/slide11.xml><?xml version="1.0" encoding="utf-8"?>
-<p:sld xmlns:a="http://schemas.openxmlformats.org/drawingml/2006/main" xmlns:r="http://schemas.openxmlformats.org/officeDocument/2006/relationships" xmlns:p="http://schemas.openxmlformats.org/presentationml/2006/main">
-  <p:cSld>
-    <p:spTree>
-      <p:nvGrpSpPr>
-        <p:cNvPr id="1" name=""/>
-        <p:cNvGrpSpPr/>
-        <p:nvPr/>
-      </p:nvGrpSpPr>
-      <p:grpSpPr>
-        <a:xfrm>
-          <a:off x="0" y="0"/>
-          <a:ext cx="0" cy="0"/>
-          <a:chOff x="0" y="0"/>
-          <a:chExt cx="0" cy="0"/>
-        </a:xfrm>
-      </p:grpSpPr>
-      <p:sp>
-        <p:nvSpPr>
-          <p:cNvPr id="3" name="Title 2"/>
-          <p:cNvSpPr>
-            <a:spLocks noGrp="1"/>
-          </p:cNvSpPr>
-          <p:nvPr>
-            <p:ph type="title"/>
-          </p:nvPr>
-        </p:nvSpPr>
-        <p:spPr/>
-        <p:txBody>
-          <a:bodyPr/>
-          <a:lstStyle/>
-          <a:p>
-            <a:r>
-              <a:rPr lang="en-US" dirty="0"/>
-              <a:t>Add a Slide Title - 5</a:t>
-            </a:r>
-          </a:p>
-        </p:txBody>
-      </p:sp>
-      <p:sp>
-        <p:nvSpPr>
-          <p:cNvPr id="5" name="Text Placeholder 4"/>
-          <p:cNvSpPr>
-            <a:spLocks noGrp="1"/>
-          </p:cNvSpPr>
-          <p:nvPr>
-            <p:ph type="body" sz="half" idx="2"/>
-          </p:nvPr>
-        </p:nvSpPr>
-        <p:spPr/>
-        <p:txBody>
-          <a:bodyPr/>
-          <a:lstStyle/>
-          <a:p>
-            <a:endParaRPr lang="en-US" dirty="0"/>
-          </a:p>
-        </p:txBody>
-      </p:sp>
-      <p:sp>
-        <p:nvSpPr>
-          <p:cNvPr id="6" name="Picture Placeholder 5" descr="An empty placeholder to add an image. Click on the placeholder and select the image that you wish to add."/>
-          <p:cNvSpPr>
-            <a:spLocks noGrp="1"/>
-          </p:cNvSpPr>
-          <p:nvPr>
-            <p:ph type="pic" idx="1"/>
-          </p:nvPr>
-        </p:nvSpPr>
-        <p:spPr/>
-      </p:sp>
-    </p:spTree>
-    <p:extLst>
-      <p:ext uri="{BB962C8B-B14F-4D97-AF65-F5344CB8AC3E}">
-        <p14:creationId xmlns:p14="http://schemas.microsoft.com/office/powerpoint/2010/main" val="3480339974"/>
-      </p:ext>
-    </p:extLst>
-  </p:cSld>
-  <p:clrMapOvr>
-    <a:masterClrMapping/>
-  </p:clrMapOvr>
-  <mc:AlternateContent xmlns:mc="http://schemas.openxmlformats.org/markup-compatibility/2006" xmlns:p14="http://schemas.microsoft.com/office/powerpoint/2010/main">
-    <mc:Choice Requires="p14">
-      <p:transition spd="med" p14:dur="700">
-        <p:fade/>
-      </p:transition>
-    </mc:Choice>
-    <mc:Fallback xmlns="">
-      <p:transition spd="med">
-        <p:fade/>
-      </p:transition>
-    </mc:Fallback>
-  </mc:AlternateContent>
 </p:sld>
 </file>
 
@@ -5603,14 +5430,14 @@
   <p:clrMapOvr>
     <a:masterClrMapping/>
   </p:clrMapOvr>
-  <mc:AlternateContent xmlns:mc="http://schemas.openxmlformats.org/markup-compatibility/2006" xmlns:p14="http://schemas.microsoft.com/office/powerpoint/2010/main">
-    <mc:Choice Requires="p14">
-      <p:transition spd="med" p14:dur="700">
-        <p:fade/>
+  <mc:AlternateContent xmlns:mc="http://schemas.openxmlformats.org/markup-compatibility/2006">
+    <mc:Choice xmlns:p14="http://schemas.microsoft.com/office/powerpoint/2010/main" Requires="p14">
+      <p:transition spd="slow" p14:dur="1400">
+        <p14:ripple/>
       </p:transition>
     </mc:Choice>
-    <mc:Fallback xmlns="">
-      <p:transition spd="med">
+    <mc:Fallback>
+      <p:transition spd="slow">
         <p:fade/>
       </p:transition>
     </mc:Fallback>
@@ -5654,14 +5481,16 @@
         </p:nvSpPr>
         <p:spPr/>
         <p:txBody>
-          <a:bodyPr/>
+          <a:bodyPr>
+            <a:normAutofit/>
+          </a:bodyPr>
           <a:lstStyle/>
           <a:p>
             <a:r>
-              <a:rPr lang="en-US" dirty="0" smtClean="0"/>
+              <a:rPr lang="en-US" sz="5400" dirty="0" smtClean="0"/>
               <a:t>Introduction</a:t>
             </a:r>
-            <a:endParaRPr lang="en-US" dirty="0"/>
+            <a:endParaRPr lang="en-US" sz="5400" dirty="0"/>
           </a:p>
         </p:txBody>
       </p:sp>
@@ -5673,8 +5502,8 @@
         </p:nvSpPr>
         <p:spPr>
           <a:xfrm>
-            <a:off x="836612" y="1498600"/>
-            <a:ext cx="10058400" cy="523220"/>
+            <a:off x="1218882" y="1498600"/>
+            <a:ext cx="3810157" cy="4832092"/>
           </a:xfrm>
           <a:prstGeom prst="rect">
             <a:avLst/>
@@ -5686,6 +5515,97 @@
             <a:spAutoFit/>
           </a:bodyPr>
           <a:lstStyle/>
+          <a:p>
+            <a:r>
+              <a:rPr lang="en-US" sz="2800" dirty="0" smtClean="0"/>
+              <a:t>Team member’s  Names from left to right:</a:t>
+            </a:r>
+          </a:p>
+          <a:p>
+            <a:endParaRPr lang="en-US" sz="2800" dirty="0"/>
+          </a:p>
+          <a:p>
+            <a:pPr marL="457200" indent="-457200">
+              <a:buFont typeface="Arial" panose="020B0604020202020204" pitchFamily="34" charset="0"/>
+              <a:buChar char="•"/>
+            </a:pPr>
+            <a:r>
+              <a:rPr lang="en-US" sz="2800" dirty="0" smtClean="0"/>
+              <a:t>Brandon Teixeira</a:t>
+            </a:r>
+          </a:p>
+          <a:p>
+            <a:pPr marL="457200" indent="-457200">
+              <a:buFont typeface="Arial" panose="020B0604020202020204" pitchFamily="34" charset="0"/>
+              <a:buChar char="•"/>
+            </a:pPr>
+            <a:r>
+              <a:rPr lang="en-US" sz="2800" dirty="0" smtClean="0"/>
+              <a:t>Jarryd Baillie</a:t>
+            </a:r>
+          </a:p>
+          <a:p>
+            <a:pPr marL="457200" indent="-457200">
+              <a:buFont typeface="Arial" panose="020B0604020202020204" pitchFamily="34" charset="0"/>
+              <a:buChar char="•"/>
+            </a:pPr>
+            <a:r>
+              <a:rPr lang="en-US" sz="2800" dirty="0" smtClean="0"/>
+              <a:t>Tristan Joseph</a:t>
+            </a:r>
+          </a:p>
+          <a:p>
+            <a:pPr marL="457200" indent="-457200">
+              <a:buFont typeface="Arial" panose="020B0604020202020204" pitchFamily="34" charset="0"/>
+              <a:buChar char="•"/>
+            </a:pPr>
+            <a:r>
+              <a:rPr lang="en-US" sz="2800" dirty="0" smtClean="0"/>
+              <a:t>Thomas </a:t>
+            </a:r>
+            <a:r>
+              <a:rPr lang="en-US" sz="2800" dirty="0" err="1" smtClean="0"/>
+              <a:t>Honiball</a:t>
+            </a:r>
+            <a:endParaRPr lang="en-US" sz="2800" dirty="0" smtClean="0"/>
+          </a:p>
+          <a:p>
+            <a:pPr marL="457200" indent="-457200">
+              <a:buFont typeface="Arial" panose="020B0604020202020204" pitchFamily="34" charset="0"/>
+              <a:buChar char="•"/>
+            </a:pPr>
+            <a:r>
+              <a:rPr lang="en-US" sz="2800" dirty="0" err="1" smtClean="0"/>
+              <a:t>Keorapetse</a:t>
+            </a:r>
+            <a:r>
+              <a:rPr lang="en-US" sz="2800" dirty="0" smtClean="0"/>
+              <a:t> </a:t>
+            </a:r>
+            <a:r>
+              <a:rPr lang="en-US" sz="2800" dirty="0" err="1" smtClean="0"/>
+              <a:t>Shiko</a:t>
+            </a:r>
+            <a:endParaRPr lang="en-US" sz="2800" dirty="0" smtClean="0"/>
+          </a:p>
+          <a:p>
+            <a:pPr marL="457200" indent="-457200">
+              <a:buFont typeface="Arial" panose="020B0604020202020204" pitchFamily="34" charset="0"/>
+              <a:buChar char="•"/>
+            </a:pPr>
+            <a:r>
+              <a:rPr lang="en-US" sz="2800" dirty="0" err="1" smtClean="0"/>
+              <a:t>Thato</a:t>
+            </a:r>
+            <a:r>
+              <a:rPr lang="en-US" sz="2800" dirty="0" smtClean="0"/>
+              <a:t> Gift Mothusi</a:t>
+            </a:r>
+            <a:endParaRPr lang="en-US" sz="2800" dirty="0" smtClean="0"/>
+          </a:p>
+          <a:p>
+            <a:endParaRPr lang="en-US" sz="2800" dirty="0"/>
+          </a:p>
           <a:p>
             <a:endParaRPr lang="en-US" sz="2800" dirty="0"/>
           </a:p>
@@ -5731,14 +5651,14 @@
   <p:clrMapOvr>
     <a:masterClrMapping/>
   </p:clrMapOvr>
-  <mc:AlternateContent xmlns:mc="http://schemas.openxmlformats.org/markup-compatibility/2006" xmlns:p14="http://schemas.microsoft.com/office/powerpoint/2010/main">
-    <mc:Choice Requires="p14">
-      <p:transition spd="med" p14:dur="700">
-        <p:fade/>
+  <mc:AlternateContent xmlns:mc="http://schemas.openxmlformats.org/markup-compatibility/2006">
+    <mc:Choice xmlns:p15="http://schemas.microsoft.com/office/powerpoint/2012/main" Requires="p15">
+      <p:transition xmlns:p14="http://schemas.microsoft.com/office/powerpoint/2010/main" spd="slow" p14:dur="3250">
+        <p15:prstTrans prst="origami"/>
       </p:transition>
     </mc:Choice>
-    <mc:Fallback xmlns="">
-      <p:transition spd="med">
+    <mc:Fallback>
+      <p:transition spd="slow">
         <p:fade/>
       </p:transition>
     </mc:Fallback>
@@ -5746,9 +5666,331 @@
   <p:timing>
     <p:tnLst>
       <p:par>
-        <p:cTn id="1" dur="indefinite" restart="never" nodeType="tmRoot"/>
+        <p:cTn id="1" dur="indefinite" restart="never" nodeType="tmRoot">
+          <p:childTnLst>
+            <p:seq concurrent="1" nextAc="seek">
+              <p:cTn id="2" dur="indefinite" nodeType="mainSeq">
+                <p:childTnLst>
+                  <p:par>
+                    <p:cTn id="3" fill="hold">
+                      <p:stCondLst>
+                        <p:cond delay="indefinite"/>
+                      </p:stCondLst>
+                      <p:childTnLst>
+                        <p:par>
+                          <p:cTn id="4" fill="hold">
+                            <p:stCondLst>
+                              <p:cond delay="0"/>
+                            </p:stCondLst>
+                            <p:childTnLst>
+                              <p:par>
+                                <p:cTn id="5" presetID="26" presetClass="entr" presetSubtype="0" fill="hold" grpId="0" nodeType="clickEffect">
+                                  <p:stCondLst>
+                                    <p:cond delay="0"/>
+                                  </p:stCondLst>
+                                  <p:childTnLst>
+                                    <p:set>
+                                      <p:cBhvr>
+                                        <p:cTn id="6" dur="1" fill="hold">
+                                          <p:stCondLst>
+                                            <p:cond delay="0"/>
+                                          </p:stCondLst>
+                                        </p:cTn>
+                                        <p:tgtEl>
+                                          <p:spTgt spid="3"/>
+                                        </p:tgtEl>
+                                        <p:attrNameLst>
+                                          <p:attrName>style.visibility</p:attrName>
+                                        </p:attrNameLst>
+                                      </p:cBhvr>
+                                      <p:to>
+                                        <p:strVal val="visible"/>
+                                      </p:to>
+                                    </p:set>
+                                    <p:animEffect transition="in" filter="wipe(down)">
+                                      <p:cBhvr>
+                                        <p:cTn id="7" dur="580">
+                                          <p:stCondLst>
+                                            <p:cond delay="0"/>
+                                          </p:stCondLst>
+                                        </p:cTn>
+                                        <p:tgtEl>
+                                          <p:spTgt spid="3"/>
+                                        </p:tgtEl>
+                                      </p:cBhvr>
+                                    </p:animEffect>
+                                    <p:anim calcmode="lin" valueType="num">
+                                      <p:cBhvr>
+                                        <p:cTn id="8" dur="1822" tmFilter="0,0; 0.14,0.36; 0.43,0.73; 0.71,0.91; 1.0,1.0">
+                                          <p:stCondLst>
+                                            <p:cond delay="0"/>
+                                          </p:stCondLst>
+                                        </p:cTn>
+                                        <p:tgtEl>
+                                          <p:spTgt spid="3"/>
+                                        </p:tgtEl>
+                                        <p:attrNameLst>
+                                          <p:attrName>ppt_x</p:attrName>
+                                        </p:attrNameLst>
+                                      </p:cBhvr>
+                                      <p:tavLst>
+                                        <p:tav tm="0">
+                                          <p:val>
+                                            <p:strVal val="#ppt_x-0.25"/>
+                                          </p:val>
+                                        </p:tav>
+                                        <p:tav tm="100000">
+                                          <p:val>
+                                            <p:strVal val="#ppt_x"/>
+                                          </p:val>
+                                        </p:tav>
+                                      </p:tavLst>
+                                    </p:anim>
+                                    <p:anim calcmode="lin" valueType="num">
+                                      <p:cBhvr>
+                                        <p:cTn id="9" dur="664" tmFilter="0.0,0.0; 0.25,0.07; 0.50,0.2; 0.75,0.467; 1.0,1.0">
+                                          <p:stCondLst>
+                                            <p:cond delay="0"/>
+                                          </p:stCondLst>
+                                        </p:cTn>
+                                        <p:tgtEl>
+                                          <p:spTgt spid="3"/>
+                                        </p:tgtEl>
+                                        <p:attrNameLst>
+                                          <p:attrName>ppt_y</p:attrName>
+                                        </p:attrNameLst>
+                                      </p:cBhvr>
+                                      <p:tavLst>
+                                        <p:tav tm="0" fmla="#ppt_y-sin(pi*$)/3">
+                                          <p:val>
+                                            <p:fltVal val="0.5"/>
+                                          </p:val>
+                                        </p:tav>
+                                        <p:tav tm="100000">
+                                          <p:val>
+                                            <p:fltVal val="1"/>
+                                          </p:val>
+                                        </p:tav>
+                                      </p:tavLst>
+                                    </p:anim>
+                                    <p:anim calcmode="lin" valueType="num">
+                                      <p:cBhvr>
+                                        <p:cTn id="10" dur="664" tmFilter="0, 0; 0.125,0.2665; 0.25,0.4; 0.375,0.465; 0.5,0.5;  0.625,0.535; 0.75,0.6; 0.875,0.7335; 1,1">
+                                          <p:stCondLst>
+                                            <p:cond delay="664"/>
+                                          </p:stCondLst>
+                                        </p:cTn>
+                                        <p:tgtEl>
+                                          <p:spTgt spid="3"/>
+                                        </p:tgtEl>
+                                        <p:attrNameLst>
+                                          <p:attrName>ppt_y</p:attrName>
+                                        </p:attrNameLst>
+                                      </p:cBhvr>
+                                      <p:tavLst>
+                                        <p:tav tm="0" fmla="#ppt_y-sin(pi*$)/9">
+                                          <p:val>
+                                            <p:fltVal val="0"/>
+                                          </p:val>
+                                        </p:tav>
+                                        <p:tav tm="100000">
+                                          <p:val>
+                                            <p:fltVal val="1"/>
+                                          </p:val>
+                                        </p:tav>
+                                      </p:tavLst>
+                                    </p:anim>
+                                    <p:anim calcmode="lin" valueType="num">
+                                      <p:cBhvr>
+                                        <p:cTn id="11" dur="332" tmFilter="0, 0; 0.125,0.2665; 0.25,0.4; 0.375,0.465; 0.5,0.5;  0.625,0.535; 0.75,0.6; 0.875,0.7335; 1,1">
+                                          <p:stCondLst>
+                                            <p:cond delay="1324"/>
+                                          </p:stCondLst>
+                                        </p:cTn>
+                                        <p:tgtEl>
+                                          <p:spTgt spid="3"/>
+                                        </p:tgtEl>
+                                        <p:attrNameLst>
+                                          <p:attrName>ppt_y</p:attrName>
+                                        </p:attrNameLst>
+                                      </p:cBhvr>
+                                      <p:tavLst>
+                                        <p:tav tm="0" fmla="#ppt_y-sin(pi*$)/27">
+                                          <p:val>
+                                            <p:fltVal val="0"/>
+                                          </p:val>
+                                        </p:tav>
+                                        <p:tav tm="100000">
+                                          <p:val>
+                                            <p:fltVal val="1"/>
+                                          </p:val>
+                                        </p:tav>
+                                      </p:tavLst>
+                                    </p:anim>
+                                    <p:anim calcmode="lin" valueType="num">
+                                      <p:cBhvr>
+                                        <p:cTn id="12" dur="164" tmFilter="0, 0; 0.125,0.2665; 0.25,0.4; 0.375,0.465; 0.5,0.5;  0.625,0.535; 0.75,0.6; 0.875,0.7335; 1,1">
+                                          <p:stCondLst>
+                                            <p:cond delay="1656"/>
+                                          </p:stCondLst>
+                                        </p:cTn>
+                                        <p:tgtEl>
+                                          <p:spTgt spid="3"/>
+                                        </p:tgtEl>
+                                        <p:attrNameLst>
+                                          <p:attrName>ppt_y</p:attrName>
+                                        </p:attrNameLst>
+                                      </p:cBhvr>
+                                      <p:tavLst>
+                                        <p:tav tm="0" fmla="#ppt_y-sin(pi*$)/81">
+                                          <p:val>
+                                            <p:fltVal val="0"/>
+                                          </p:val>
+                                        </p:tav>
+                                        <p:tav tm="100000">
+                                          <p:val>
+                                            <p:fltVal val="1"/>
+                                          </p:val>
+                                        </p:tav>
+                                      </p:tavLst>
+                                    </p:anim>
+                                    <p:animScale>
+                                      <p:cBhvr>
+                                        <p:cTn id="13" dur="26">
+                                          <p:stCondLst>
+                                            <p:cond delay="650"/>
+                                          </p:stCondLst>
+                                        </p:cTn>
+                                        <p:tgtEl>
+                                          <p:spTgt spid="3"/>
+                                        </p:tgtEl>
+                                      </p:cBhvr>
+                                      <p:to x="100000" y="60000"/>
+                                    </p:animScale>
+                                    <p:animScale>
+                                      <p:cBhvr>
+                                        <p:cTn id="14" dur="166" decel="50000">
+                                          <p:stCondLst>
+                                            <p:cond delay="676"/>
+                                          </p:stCondLst>
+                                        </p:cTn>
+                                        <p:tgtEl>
+                                          <p:spTgt spid="3"/>
+                                        </p:tgtEl>
+                                      </p:cBhvr>
+                                      <p:to x="100000" y="100000"/>
+                                    </p:animScale>
+                                    <p:animScale>
+                                      <p:cBhvr>
+                                        <p:cTn id="15" dur="26">
+                                          <p:stCondLst>
+                                            <p:cond delay="1312"/>
+                                          </p:stCondLst>
+                                        </p:cTn>
+                                        <p:tgtEl>
+                                          <p:spTgt spid="3"/>
+                                        </p:tgtEl>
+                                      </p:cBhvr>
+                                      <p:to x="100000" y="80000"/>
+                                    </p:animScale>
+                                    <p:animScale>
+                                      <p:cBhvr>
+                                        <p:cTn id="16" dur="166" decel="50000">
+                                          <p:stCondLst>
+                                            <p:cond delay="1338"/>
+                                          </p:stCondLst>
+                                        </p:cTn>
+                                        <p:tgtEl>
+                                          <p:spTgt spid="3"/>
+                                        </p:tgtEl>
+                                      </p:cBhvr>
+                                      <p:to x="100000" y="100000"/>
+                                    </p:animScale>
+                                    <p:animScale>
+                                      <p:cBhvr>
+                                        <p:cTn id="17" dur="26">
+                                          <p:stCondLst>
+                                            <p:cond delay="1642"/>
+                                          </p:stCondLst>
+                                        </p:cTn>
+                                        <p:tgtEl>
+                                          <p:spTgt spid="3"/>
+                                        </p:tgtEl>
+                                      </p:cBhvr>
+                                      <p:to x="100000" y="90000"/>
+                                    </p:animScale>
+                                    <p:animScale>
+                                      <p:cBhvr>
+                                        <p:cTn id="18" dur="166" decel="50000">
+                                          <p:stCondLst>
+                                            <p:cond delay="1668"/>
+                                          </p:stCondLst>
+                                        </p:cTn>
+                                        <p:tgtEl>
+                                          <p:spTgt spid="3"/>
+                                        </p:tgtEl>
+                                      </p:cBhvr>
+                                      <p:to x="100000" y="100000"/>
+                                    </p:animScale>
+                                    <p:animScale>
+                                      <p:cBhvr>
+                                        <p:cTn id="19" dur="26">
+                                          <p:stCondLst>
+                                            <p:cond delay="1808"/>
+                                          </p:stCondLst>
+                                        </p:cTn>
+                                        <p:tgtEl>
+                                          <p:spTgt spid="3"/>
+                                        </p:tgtEl>
+                                      </p:cBhvr>
+                                      <p:to x="100000" y="95000"/>
+                                    </p:animScale>
+                                    <p:animScale>
+                                      <p:cBhvr>
+                                        <p:cTn id="20" dur="166" decel="50000">
+                                          <p:stCondLst>
+                                            <p:cond delay="1834"/>
+                                          </p:stCondLst>
+                                        </p:cTn>
+                                        <p:tgtEl>
+                                          <p:spTgt spid="3"/>
+                                        </p:tgtEl>
+                                      </p:cBhvr>
+                                      <p:to x="100000" y="100000"/>
+                                    </p:animScale>
+                                  </p:childTnLst>
+                                </p:cTn>
+                              </p:par>
+                            </p:childTnLst>
+                          </p:cTn>
+                        </p:par>
+                      </p:childTnLst>
+                    </p:cTn>
+                  </p:par>
+                </p:childTnLst>
+              </p:cTn>
+              <p:prevCondLst>
+                <p:cond evt="onPrev" delay="0">
+                  <p:tgtEl>
+                    <p:sldTgt/>
+                  </p:tgtEl>
+                </p:cond>
+              </p:prevCondLst>
+              <p:nextCondLst>
+                <p:cond evt="onNext" delay="0">
+                  <p:tgtEl>
+                    <p:sldTgt/>
+                  </p:tgtEl>
+                </p:cond>
+              </p:nextCondLst>
+            </p:seq>
+          </p:childTnLst>
+        </p:cTn>
       </p:par>
     </p:tnLst>
+    <p:bldLst>
+      <p:bldP spid="3" grpId="0"/>
+    </p:bldLst>
   </p:timing>
 </p:sld>
 </file>
@@ -5854,14 +6096,14 @@
   <p:clrMapOvr>
     <a:masterClrMapping/>
   </p:clrMapOvr>
-  <mc:AlternateContent xmlns:mc="http://schemas.openxmlformats.org/markup-compatibility/2006" xmlns:p14="http://schemas.microsoft.com/office/powerpoint/2010/main">
-    <mc:Choice Requires="p14">
-      <p:transition spd="med" p14:dur="700">
-        <p:fade/>
+  <mc:AlternateContent xmlns:mc="http://schemas.openxmlformats.org/markup-compatibility/2006">
+    <mc:Choice xmlns:p14="http://schemas.microsoft.com/office/powerpoint/2010/main" Requires="p14">
+      <p:transition spd="slow" p14:dur="3900">
+        <p14:glitter pattern="hexagon"/>
       </p:transition>
     </mc:Choice>
-    <mc:Fallback xmlns="">
-      <p:transition spd="med">
+    <mc:Fallback>
+      <p:transition spd="slow">
         <p:fade/>
       </p:transition>
     </mc:Fallback>
@@ -5869,9 +6111,111 @@
   <p:timing>
     <p:tnLst>
       <p:par>
-        <p:cTn id="1" dur="indefinite" restart="never" nodeType="tmRoot"/>
+        <p:cTn id="1" dur="indefinite" restart="never" nodeType="tmRoot">
+          <p:childTnLst>
+            <p:seq concurrent="1" nextAc="seek">
+              <p:cTn id="2" dur="indefinite" nodeType="mainSeq">
+                <p:childTnLst>
+                  <p:par>
+                    <p:cTn id="3" fill="hold">
+                      <p:stCondLst>
+                        <p:cond delay="indefinite"/>
+                      </p:stCondLst>
+                      <p:childTnLst>
+                        <p:par>
+                          <p:cTn id="4" fill="hold">
+                            <p:stCondLst>
+                              <p:cond delay="0"/>
+                            </p:stCondLst>
+                            <p:childTnLst>
+                              <p:par>
+                                <p:cTn id="5" presetID="16" presetClass="emph" presetSubtype="0" fill="hold" grpId="0" nodeType="clickEffect">
+                                  <p:stCondLst>
+                                    <p:cond delay="0"/>
+                                  </p:stCondLst>
+                                  <p:iterate type="lt">
+                                    <p:tmPct val="4000"/>
+                                  </p:iterate>
+                                  <p:childTnLst>
+                                    <p:set>
+                                      <p:cBhvr override="childStyle">
+                                        <p:cTn id="6" dur="500" fill="hold"/>
+                                        <p:tgtEl>
+                                          <p:spTgt spid="7"/>
+                                        </p:tgtEl>
+                                        <p:attrNameLst>
+                                          <p:attrName>style.color</p:attrName>
+                                        </p:attrNameLst>
+                                      </p:cBhvr>
+                                      <p:to>
+                                        <p:clrVal>
+                                          <a:schemeClr val="accent2"/>
+                                        </p:clrVal>
+                                      </p:to>
+                                    </p:set>
+                                    <p:set>
+                                      <p:cBhvr>
+                                        <p:cTn id="7" dur="500" fill="hold"/>
+                                        <p:tgtEl>
+                                          <p:spTgt spid="7"/>
+                                        </p:tgtEl>
+                                        <p:attrNameLst>
+                                          <p:attrName>fillcolor</p:attrName>
+                                        </p:attrNameLst>
+                                      </p:cBhvr>
+                                      <p:to>
+                                        <p:clrVal>
+                                          <a:schemeClr val="accent2"/>
+                                        </p:clrVal>
+                                      </p:to>
+                                    </p:set>
+                                    <p:set>
+                                      <p:cBhvr>
+                                        <p:cTn id="8" dur="500" fill="hold"/>
+                                        <p:tgtEl>
+                                          <p:spTgt spid="7"/>
+                                        </p:tgtEl>
+                                        <p:attrNameLst>
+                                          <p:attrName>fill.type</p:attrName>
+                                        </p:attrNameLst>
+                                      </p:cBhvr>
+                                      <p:to>
+                                        <p:strVal val="solid"/>
+                                      </p:to>
+                                    </p:set>
+                                  </p:childTnLst>
+                                </p:cTn>
+                              </p:par>
+                            </p:childTnLst>
+                          </p:cTn>
+                        </p:par>
+                      </p:childTnLst>
+                    </p:cTn>
+                  </p:par>
+                </p:childTnLst>
+              </p:cTn>
+              <p:prevCondLst>
+                <p:cond evt="onPrev" delay="0">
+                  <p:tgtEl>
+                    <p:sldTgt/>
+                  </p:tgtEl>
+                </p:cond>
+              </p:prevCondLst>
+              <p:nextCondLst>
+                <p:cond evt="onNext" delay="0">
+                  <p:tgtEl>
+                    <p:sldTgt/>
+                  </p:tgtEl>
+                </p:cond>
+              </p:nextCondLst>
+            </p:seq>
+          </p:childTnLst>
+        </p:cTn>
       </p:par>
     </p:tnLst>
+    <p:bldLst>
+      <p:bldP spid="7" grpId="0"/>
+    </p:bldLst>
   </p:timing>
 </p:sld>
 </file>
@@ -5938,7 +6282,7 @@
         </p:blipFill>
         <p:spPr>
           <a:xfrm>
-            <a:off x="2241012" y="1498600"/>
+            <a:off x="3152396" y="1371600"/>
             <a:ext cx="8425400" cy="5315600"/>
           </a:xfrm>
           <a:prstGeom prst="rect">
@@ -5956,14 +6300,14 @@
   <p:clrMapOvr>
     <a:masterClrMapping/>
   </p:clrMapOvr>
-  <mc:AlternateContent xmlns:mc="http://schemas.openxmlformats.org/markup-compatibility/2006" xmlns:p14="http://schemas.microsoft.com/office/powerpoint/2010/main">
-    <mc:Choice Requires="p14">
-      <p:transition spd="med" p14:dur="700">
-        <p:fade/>
+  <mc:AlternateContent xmlns:mc="http://schemas.openxmlformats.org/markup-compatibility/2006">
+    <mc:Choice xmlns:p14="http://schemas.microsoft.com/office/powerpoint/2010/main" Requires="p14">
+      <p:transition spd="slow" p14:dur="3000">
+        <p14:shred/>
       </p:transition>
     </mc:Choice>
-    <mc:Fallback xmlns="">
-      <p:transition spd="med">
+    <mc:Fallback>
+      <p:transition spd="slow">
         <p:fade/>
       </p:transition>
     </mc:Fallback>
@@ -5971,7 +6315,68 @@
   <p:timing>
     <p:tnLst>
       <p:par>
-        <p:cTn id="1" dur="indefinite" restart="never" nodeType="tmRoot"/>
+        <p:cTn id="1" dur="indefinite" restart="never" nodeType="tmRoot">
+          <p:childTnLst>
+            <p:seq concurrent="1" nextAc="seek">
+              <p:cTn id="2" dur="indefinite" nodeType="mainSeq">
+                <p:childTnLst>
+                  <p:par>
+                    <p:cTn id="3" fill="hold">
+                      <p:stCondLst>
+                        <p:cond delay="indefinite"/>
+                      </p:stCondLst>
+                      <p:childTnLst>
+                        <p:par>
+                          <p:cTn id="4" fill="hold">
+                            <p:stCondLst>
+                              <p:cond delay="0"/>
+                            </p:stCondLst>
+                            <p:childTnLst>
+                              <p:par>
+                                <p:cTn id="5" presetID="8" presetClass="emph" presetSubtype="0" fill="hold" nodeType="clickEffect">
+                                  <p:stCondLst>
+                                    <p:cond delay="0"/>
+                                  </p:stCondLst>
+                                  <p:childTnLst>
+                                    <p:animRot by="21600000">
+                                      <p:cBhvr>
+                                        <p:cTn id="6" dur="2000" fill="hold"/>
+                                        <p:tgtEl>
+                                          <p:spTgt spid="4"/>
+                                        </p:tgtEl>
+                                        <p:attrNameLst>
+                                          <p:attrName>r</p:attrName>
+                                        </p:attrNameLst>
+                                      </p:cBhvr>
+                                    </p:animRot>
+                                  </p:childTnLst>
+                                </p:cTn>
+                              </p:par>
+                            </p:childTnLst>
+                          </p:cTn>
+                        </p:par>
+                      </p:childTnLst>
+                    </p:cTn>
+                  </p:par>
+                </p:childTnLst>
+              </p:cTn>
+              <p:prevCondLst>
+                <p:cond evt="onPrev" delay="0">
+                  <p:tgtEl>
+                    <p:sldTgt/>
+                  </p:tgtEl>
+                </p:cond>
+              </p:prevCondLst>
+              <p:nextCondLst>
+                <p:cond evt="onNext" delay="0">
+                  <p:tgtEl>
+                    <p:sldTgt/>
+                  </p:tgtEl>
+                </p:cond>
+              </p:nextCondLst>
+            </p:seq>
+          </p:childTnLst>
+        </p:cTn>
       </p:par>
     </p:tnLst>
   </p:timing>
@@ -6025,6 +6430,108 @@
           </a:p>
         </p:txBody>
       </p:sp>
+      <p:sp>
+        <p:nvSpPr>
+          <p:cNvPr id="2" name="TextBox 1"/>
+          <p:cNvSpPr txBox="1"/>
+          <p:nvPr/>
+        </p:nvSpPr>
+        <p:spPr>
+          <a:xfrm>
+            <a:off x="1065212" y="1866901"/>
+            <a:ext cx="10067071" cy="4401205"/>
+          </a:xfrm>
+          <a:prstGeom prst="rect">
+            <a:avLst/>
+          </a:prstGeom>
+          <a:noFill/>
+        </p:spPr>
+        <p:txBody>
+          <a:bodyPr wrap="square" rtlCol="0">
+            <a:spAutoFit/>
+          </a:bodyPr>
+          <a:lstStyle/>
+          <a:p>
+            <a:pPr marL="514350" indent="-514350">
+              <a:buFont typeface="+mj-lt"/>
+              <a:buAutoNum type="arabicPeriod"/>
+            </a:pPr>
+            <a:r>
+              <a:rPr lang="en-ZA" sz="2800" dirty="0" smtClean="0"/>
+              <a:t>Introduction</a:t>
+            </a:r>
+          </a:p>
+          <a:p>
+            <a:pPr lvl="1"/>
+            <a:r>
+              <a:rPr lang="en-ZA" sz="2800" dirty="0" smtClean="0"/>
+              <a:t>1.1  Purpose</a:t>
+            </a:r>
+            <a:endParaRPr lang="en-ZA" sz="2800" dirty="0"/>
+          </a:p>
+          <a:p>
+            <a:pPr lvl="1"/>
+            <a:r>
+              <a:rPr lang="en-ZA" sz="2800" dirty="0" smtClean="0"/>
+              <a:t>1.2  Scope</a:t>
+            </a:r>
+          </a:p>
+          <a:p>
+            <a:pPr lvl="1"/>
+            <a:r>
+              <a:rPr lang="en-ZA" sz="2800" dirty="0" smtClean="0"/>
+              <a:t>1.3  Overview</a:t>
+            </a:r>
+            <a:endParaRPr lang="en-ZA" sz="2800" dirty="0"/>
+          </a:p>
+          <a:p>
+            <a:pPr marL="514350" indent="-514350">
+              <a:buFont typeface="+mj-lt"/>
+              <a:buAutoNum type="arabicPeriod"/>
+            </a:pPr>
+            <a:r>
+              <a:rPr lang="en-ZA" sz="2800" dirty="0" smtClean="0"/>
+              <a:t>Overall Description</a:t>
+            </a:r>
+            <a:endParaRPr lang="en-ZA" sz="2800" dirty="0"/>
+          </a:p>
+          <a:p>
+            <a:pPr lvl="1"/>
+            <a:r>
+              <a:rPr lang="en-ZA" sz="2800" dirty="0" smtClean="0"/>
+              <a:t>2.1  Product Perspective</a:t>
+            </a:r>
+          </a:p>
+          <a:p>
+            <a:pPr lvl="2"/>
+            <a:r>
+              <a:rPr lang="en-ZA" sz="2800" dirty="0" smtClean="0"/>
+              <a:t>2.1.1  System Interfaces</a:t>
+            </a:r>
+          </a:p>
+          <a:p>
+            <a:pPr lvl="2"/>
+            <a:r>
+              <a:rPr lang="en-ZA" sz="2800" dirty="0" smtClean="0"/>
+              <a:t>2.1.2  User Interfaces</a:t>
+            </a:r>
+          </a:p>
+          <a:p>
+            <a:pPr lvl="2"/>
+            <a:r>
+              <a:rPr lang="en-ZA" sz="2800" dirty="0" smtClean="0"/>
+              <a:t>2.1.3  Hardware Interfaces</a:t>
+            </a:r>
+          </a:p>
+          <a:p>
+            <a:pPr lvl="2"/>
+            <a:r>
+              <a:rPr lang="en-ZA" sz="2800" dirty="0" smtClean="0"/>
+              <a:t>2.1.4  Software Interfaces</a:t>
+            </a:r>
+          </a:p>
+        </p:txBody>
+      </p:sp>
     </p:spTree>
     <p:extLst>
       <p:ext uri="{BB962C8B-B14F-4D97-AF65-F5344CB8AC3E}">
@@ -6035,14 +6542,14 @@
   <p:clrMapOvr>
     <a:masterClrMapping/>
   </p:clrMapOvr>
-  <mc:AlternateContent xmlns:mc="http://schemas.openxmlformats.org/markup-compatibility/2006" xmlns:p14="http://schemas.microsoft.com/office/powerpoint/2010/main">
-    <mc:Choice Requires="p14">
-      <p:transition spd="med" p14:dur="700">
-        <p:fade/>
+  <mc:AlternateContent xmlns:mc="http://schemas.openxmlformats.org/markup-compatibility/2006">
+    <mc:Choice xmlns:p14="http://schemas.microsoft.com/office/powerpoint/2010/main" Requires="p14">
+      <p:transition spd="slow" p14:dur="4400">
+        <p14:honeycomb/>
       </p:transition>
     </mc:Choice>
-    <mc:Fallback xmlns="">
-      <p:transition spd="med">
+    <mc:Fallback>
+      <p:transition spd="slow">
         <p:fade/>
       </p:transition>
     </mc:Fallback>
@@ -6050,14 +6557,556 @@
   <p:timing>
     <p:tnLst>
       <p:par>
-        <p:cTn id="1" dur="indefinite" restart="never" nodeType="tmRoot"/>
+        <p:cTn id="1" dur="indefinite" restart="never" nodeType="tmRoot">
+          <p:childTnLst>
+            <p:seq concurrent="1" nextAc="seek">
+              <p:cTn id="2" dur="indefinite" nodeType="mainSeq">
+                <p:childTnLst>
+                  <p:par>
+                    <p:cTn id="3" fill="hold">
+                      <p:stCondLst>
+                        <p:cond delay="indefinite"/>
+                      </p:stCondLst>
+                      <p:childTnLst>
+                        <p:par>
+                          <p:cTn id="4" fill="hold">
+                            <p:stCondLst>
+                              <p:cond delay="0"/>
+                            </p:stCondLst>
+                            <p:childTnLst>
+                              <p:par>
+                                <p:cTn id="5" presetID="26" presetClass="entr" presetSubtype="0" fill="hold" grpId="0" nodeType="clickEffect">
+                                  <p:stCondLst>
+                                    <p:cond delay="0"/>
+                                  </p:stCondLst>
+                                  <p:childTnLst>
+                                    <p:set>
+                                      <p:cBhvr>
+                                        <p:cTn id="6" dur="1" fill="hold">
+                                          <p:stCondLst>
+                                            <p:cond delay="0"/>
+                                          </p:stCondLst>
+                                        </p:cTn>
+                                        <p:tgtEl>
+                                          <p:spTgt spid="2"/>
+                                        </p:tgtEl>
+                                        <p:attrNameLst>
+                                          <p:attrName>style.visibility</p:attrName>
+                                        </p:attrNameLst>
+                                      </p:cBhvr>
+                                      <p:to>
+                                        <p:strVal val="visible"/>
+                                      </p:to>
+                                    </p:set>
+                                    <p:animEffect transition="in" filter="wipe(down)">
+                                      <p:cBhvr>
+                                        <p:cTn id="7" dur="580">
+                                          <p:stCondLst>
+                                            <p:cond delay="0"/>
+                                          </p:stCondLst>
+                                        </p:cTn>
+                                        <p:tgtEl>
+                                          <p:spTgt spid="2"/>
+                                        </p:tgtEl>
+                                      </p:cBhvr>
+                                    </p:animEffect>
+                                    <p:anim calcmode="lin" valueType="num">
+                                      <p:cBhvr>
+                                        <p:cTn id="8" dur="1822" tmFilter="0,0; 0.14,0.36; 0.43,0.73; 0.71,0.91; 1.0,1.0">
+                                          <p:stCondLst>
+                                            <p:cond delay="0"/>
+                                          </p:stCondLst>
+                                        </p:cTn>
+                                        <p:tgtEl>
+                                          <p:spTgt spid="2"/>
+                                        </p:tgtEl>
+                                        <p:attrNameLst>
+                                          <p:attrName>ppt_x</p:attrName>
+                                        </p:attrNameLst>
+                                      </p:cBhvr>
+                                      <p:tavLst>
+                                        <p:tav tm="0">
+                                          <p:val>
+                                            <p:strVal val="#ppt_x-0.25"/>
+                                          </p:val>
+                                        </p:tav>
+                                        <p:tav tm="100000">
+                                          <p:val>
+                                            <p:strVal val="#ppt_x"/>
+                                          </p:val>
+                                        </p:tav>
+                                      </p:tavLst>
+                                    </p:anim>
+                                    <p:anim calcmode="lin" valueType="num">
+                                      <p:cBhvr>
+                                        <p:cTn id="9" dur="664" tmFilter="0.0,0.0; 0.25,0.07; 0.50,0.2; 0.75,0.467; 1.0,1.0">
+                                          <p:stCondLst>
+                                            <p:cond delay="0"/>
+                                          </p:stCondLst>
+                                        </p:cTn>
+                                        <p:tgtEl>
+                                          <p:spTgt spid="2"/>
+                                        </p:tgtEl>
+                                        <p:attrNameLst>
+                                          <p:attrName>ppt_y</p:attrName>
+                                        </p:attrNameLst>
+                                      </p:cBhvr>
+                                      <p:tavLst>
+                                        <p:tav tm="0" fmla="#ppt_y-sin(pi*$)/3">
+                                          <p:val>
+                                            <p:fltVal val="0.5"/>
+                                          </p:val>
+                                        </p:tav>
+                                        <p:tav tm="100000">
+                                          <p:val>
+                                            <p:fltVal val="1"/>
+                                          </p:val>
+                                        </p:tav>
+                                      </p:tavLst>
+                                    </p:anim>
+                                    <p:anim calcmode="lin" valueType="num">
+                                      <p:cBhvr>
+                                        <p:cTn id="10" dur="664" tmFilter="0, 0; 0.125,0.2665; 0.25,0.4; 0.375,0.465; 0.5,0.5;  0.625,0.535; 0.75,0.6; 0.875,0.7335; 1,1">
+                                          <p:stCondLst>
+                                            <p:cond delay="664"/>
+                                          </p:stCondLst>
+                                        </p:cTn>
+                                        <p:tgtEl>
+                                          <p:spTgt spid="2"/>
+                                        </p:tgtEl>
+                                        <p:attrNameLst>
+                                          <p:attrName>ppt_y</p:attrName>
+                                        </p:attrNameLst>
+                                      </p:cBhvr>
+                                      <p:tavLst>
+                                        <p:tav tm="0" fmla="#ppt_y-sin(pi*$)/9">
+                                          <p:val>
+                                            <p:fltVal val="0"/>
+                                          </p:val>
+                                        </p:tav>
+                                        <p:tav tm="100000">
+                                          <p:val>
+                                            <p:fltVal val="1"/>
+                                          </p:val>
+                                        </p:tav>
+                                      </p:tavLst>
+                                    </p:anim>
+                                    <p:anim calcmode="lin" valueType="num">
+                                      <p:cBhvr>
+                                        <p:cTn id="11" dur="332" tmFilter="0, 0; 0.125,0.2665; 0.25,0.4; 0.375,0.465; 0.5,0.5;  0.625,0.535; 0.75,0.6; 0.875,0.7335; 1,1">
+                                          <p:stCondLst>
+                                            <p:cond delay="1324"/>
+                                          </p:stCondLst>
+                                        </p:cTn>
+                                        <p:tgtEl>
+                                          <p:spTgt spid="2"/>
+                                        </p:tgtEl>
+                                        <p:attrNameLst>
+                                          <p:attrName>ppt_y</p:attrName>
+                                        </p:attrNameLst>
+                                      </p:cBhvr>
+                                      <p:tavLst>
+                                        <p:tav tm="0" fmla="#ppt_y-sin(pi*$)/27">
+                                          <p:val>
+                                            <p:fltVal val="0"/>
+                                          </p:val>
+                                        </p:tav>
+                                        <p:tav tm="100000">
+                                          <p:val>
+                                            <p:fltVal val="1"/>
+                                          </p:val>
+                                        </p:tav>
+                                      </p:tavLst>
+                                    </p:anim>
+                                    <p:anim calcmode="lin" valueType="num">
+                                      <p:cBhvr>
+                                        <p:cTn id="12" dur="164" tmFilter="0, 0; 0.125,0.2665; 0.25,0.4; 0.375,0.465; 0.5,0.5;  0.625,0.535; 0.75,0.6; 0.875,0.7335; 1,1">
+                                          <p:stCondLst>
+                                            <p:cond delay="1656"/>
+                                          </p:stCondLst>
+                                        </p:cTn>
+                                        <p:tgtEl>
+                                          <p:spTgt spid="2"/>
+                                        </p:tgtEl>
+                                        <p:attrNameLst>
+                                          <p:attrName>ppt_y</p:attrName>
+                                        </p:attrNameLst>
+                                      </p:cBhvr>
+                                      <p:tavLst>
+                                        <p:tav tm="0" fmla="#ppt_y-sin(pi*$)/81">
+                                          <p:val>
+                                            <p:fltVal val="0"/>
+                                          </p:val>
+                                        </p:tav>
+                                        <p:tav tm="100000">
+                                          <p:val>
+                                            <p:fltVal val="1"/>
+                                          </p:val>
+                                        </p:tav>
+                                      </p:tavLst>
+                                    </p:anim>
+                                    <p:animScale>
+                                      <p:cBhvr>
+                                        <p:cTn id="13" dur="26">
+                                          <p:stCondLst>
+                                            <p:cond delay="650"/>
+                                          </p:stCondLst>
+                                        </p:cTn>
+                                        <p:tgtEl>
+                                          <p:spTgt spid="2"/>
+                                        </p:tgtEl>
+                                      </p:cBhvr>
+                                      <p:to x="100000" y="60000"/>
+                                    </p:animScale>
+                                    <p:animScale>
+                                      <p:cBhvr>
+                                        <p:cTn id="14" dur="166" decel="50000">
+                                          <p:stCondLst>
+                                            <p:cond delay="676"/>
+                                          </p:stCondLst>
+                                        </p:cTn>
+                                        <p:tgtEl>
+                                          <p:spTgt spid="2"/>
+                                        </p:tgtEl>
+                                      </p:cBhvr>
+                                      <p:to x="100000" y="100000"/>
+                                    </p:animScale>
+                                    <p:animScale>
+                                      <p:cBhvr>
+                                        <p:cTn id="15" dur="26">
+                                          <p:stCondLst>
+                                            <p:cond delay="1312"/>
+                                          </p:stCondLst>
+                                        </p:cTn>
+                                        <p:tgtEl>
+                                          <p:spTgt spid="2"/>
+                                        </p:tgtEl>
+                                      </p:cBhvr>
+                                      <p:to x="100000" y="80000"/>
+                                    </p:animScale>
+                                    <p:animScale>
+                                      <p:cBhvr>
+                                        <p:cTn id="16" dur="166" decel="50000">
+                                          <p:stCondLst>
+                                            <p:cond delay="1338"/>
+                                          </p:stCondLst>
+                                        </p:cTn>
+                                        <p:tgtEl>
+                                          <p:spTgt spid="2"/>
+                                        </p:tgtEl>
+                                      </p:cBhvr>
+                                      <p:to x="100000" y="100000"/>
+                                    </p:animScale>
+                                    <p:animScale>
+                                      <p:cBhvr>
+                                        <p:cTn id="17" dur="26">
+                                          <p:stCondLst>
+                                            <p:cond delay="1642"/>
+                                          </p:stCondLst>
+                                        </p:cTn>
+                                        <p:tgtEl>
+                                          <p:spTgt spid="2"/>
+                                        </p:tgtEl>
+                                      </p:cBhvr>
+                                      <p:to x="100000" y="90000"/>
+                                    </p:animScale>
+                                    <p:animScale>
+                                      <p:cBhvr>
+                                        <p:cTn id="18" dur="166" decel="50000">
+                                          <p:stCondLst>
+                                            <p:cond delay="1668"/>
+                                          </p:stCondLst>
+                                        </p:cTn>
+                                        <p:tgtEl>
+                                          <p:spTgt spid="2"/>
+                                        </p:tgtEl>
+                                      </p:cBhvr>
+                                      <p:to x="100000" y="100000"/>
+                                    </p:animScale>
+                                    <p:animScale>
+                                      <p:cBhvr>
+                                        <p:cTn id="19" dur="26">
+                                          <p:stCondLst>
+                                            <p:cond delay="1808"/>
+                                          </p:stCondLst>
+                                        </p:cTn>
+                                        <p:tgtEl>
+                                          <p:spTgt spid="2"/>
+                                        </p:tgtEl>
+                                      </p:cBhvr>
+                                      <p:to x="100000" y="95000"/>
+                                    </p:animScale>
+                                    <p:animScale>
+                                      <p:cBhvr>
+                                        <p:cTn id="20" dur="166" decel="50000">
+                                          <p:stCondLst>
+                                            <p:cond delay="1834"/>
+                                          </p:stCondLst>
+                                        </p:cTn>
+                                        <p:tgtEl>
+                                          <p:spTgt spid="2"/>
+                                        </p:tgtEl>
+                                      </p:cBhvr>
+                                      <p:to x="100000" y="100000"/>
+                                    </p:animScale>
+                                  </p:childTnLst>
+                                </p:cTn>
+                              </p:par>
+                            </p:childTnLst>
+                          </p:cTn>
+                        </p:par>
+                      </p:childTnLst>
+                    </p:cTn>
+                  </p:par>
+                </p:childTnLst>
+              </p:cTn>
+              <p:prevCondLst>
+                <p:cond evt="onPrev" delay="0">
+                  <p:tgtEl>
+                    <p:sldTgt/>
+                  </p:tgtEl>
+                </p:cond>
+              </p:prevCondLst>
+              <p:nextCondLst>
+                <p:cond evt="onNext" delay="0">
+                  <p:tgtEl>
+                    <p:sldTgt/>
+                  </p:tgtEl>
+                </p:cond>
+              </p:nextCondLst>
+            </p:seq>
+          </p:childTnLst>
+        </p:cTn>
       </p:par>
     </p:tnLst>
+    <p:bldLst>
+      <p:bldP spid="2" grpId="0"/>
+    </p:bldLst>
   </p:timing>
 </p:sld>
 </file>
 
 <file path=ppt/slides/slide7.xml><?xml version="1.0" encoding="utf-8"?>
+<p:sld xmlns:a="http://schemas.openxmlformats.org/drawingml/2006/main" xmlns:r="http://schemas.openxmlformats.org/officeDocument/2006/relationships" xmlns:p="http://schemas.openxmlformats.org/presentationml/2006/main">
+  <p:cSld>
+    <p:spTree>
+      <p:nvGrpSpPr>
+        <p:cNvPr id="1" name=""/>
+        <p:cNvGrpSpPr/>
+        <p:nvPr/>
+      </p:nvGrpSpPr>
+      <p:grpSpPr>
+        <a:xfrm>
+          <a:off x="0" y="0"/>
+          <a:ext cx="0" cy="0"/>
+          <a:chOff x="0" y="0"/>
+          <a:chExt cx="0" cy="0"/>
+        </a:xfrm>
+      </p:grpSpPr>
+      <p:sp>
+        <p:nvSpPr>
+          <p:cNvPr id="4" name="TextBox 3"/>
+          <p:cNvSpPr txBox="1"/>
+          <p:nvPr/>
+        </p:nvSpPr>
+        <p:spPr>
+          <a:xfrm>
+            <a:off x="1065212" y="457200"/>
+            <a:ext cx="10210800" cy="5262979"/>
+          </a:xfrm>
+          <a:prstGeom prst="rect">
+            <a:avLst/>
+          </a:prstGeom>
+          <a:noFill/>
+        </p:spPr>
+        <p:txBody>
+          <a:bodyPr wrap="square" rtlCol="0">
+            <a:spAutoFit/>
+          </a:bodyPr>
+          <a:lstStyle/>
+          <a:p>
+            <a:r>
+              <a:rPr lang="en-ZA" sz="2800" dirty="0" smtClean="0"/>
+              <a:t>2.2   Product Functions</a:t>
+            </a:r>
+          </a:p>
+          <a:p>
+            <a:r>
+              <a:rPr lang="en-ZA" sz="2800" dirty="0" smtClean="0"/>
+              <a:t>2.3   User Characteristics</a:t>
+            </a:r>
+          </a:p>
+          <a:p>
+            <a:r>
+              <a:rPr lang="en-ZA" sz="2800" dirty="0" smtClean="0"/>
+              <a:t>2.4   Constraints</a:t>
+            </a:r>
+          </a:p>
+          <a:p>
+            <a:r>
+              <a:rPr lang="en-ZA" sz="2800" dirty="0" smtClean="0"/>
+              <a:t>2.5   Assumptions and Dependencies</a:t>
+            </a:r>
+          </a:p>
+          <a:p>
+            <a:r>
+              <a:rPr lang="en-ZA" sz="2800" dirty="0" smtClean="0"/>
+              <a:t>3.  </a:t>
+            </a:r>
+            <a:r>
+              <a:rPr lang="en-ZA" sz="2800" dirty="0" smtClean="0"/>
+              <a:t>Specific Requirements</a:t>
+            </a:r>
+          </a:p>
+          <a:p>
+            <a:pPr lvl="1"/>
+            <a:r>
+              <a:rPr lang="en-ZA" sz="2800" dirty="0" smtClean="0"/>
+              <a:t>3.1  External Interface Requirements</a:t>
+            </a:r>
+          </a:p>
+          <a:p>
+            <a:pPr lvl="1"/>
+            <a:r>
+              <a:rPr lang="en-ZA" sz="2800" dirty="0" smtClean="0"/>
+              <a:t>3.2  Functional Requirements</a:t>
+            </a:r>
+          </a:p>
+          <a:p>
+            <a:pPr lvl="1"/>
+            <a:r>
+              <a:rPr lang="en-ZA" sz="2800" dirty="0" smtClean="0"/>
+              <a:t>3.3  Performance Requirements</a:t>
+            </a:r>
+          </a:p>
+          <a:p>
+            <a:pPr lvl="1"/>
+            <a:r>
+              <a:rPr lang="en-ZA" sz="2800" dirty="0" smtClean="0"/>
+              <a:t>3.4  Design Constraints</a:t>
+            </a:r>
+          </a:p>
+          <a:p>
+            <a:pPr lvl="1"/>
+            <a:r>
+              <a:rPr lang="en-ZA" sz="2800" dirty="0" smtClean="0"/>
+              <a:t>3.5  Software </a:t>
+            </a:r>
+            <a:r>
+              <a:rPr lang="en-ZA" sz="2800" dirty="0"/>
+              <a:t>S</a:t>
+            </a:r>
+            <a:r>
+              <a:rPr lang="en-ZA" sz="2800" dirty="0" smtClean="0"/>
+              <a:t>ystem Attributes</a:t>
+            </a:r>
+          </a:p>
+          <a:p>
+            <a:r>
+              <a:rPr lang="en-ZA" sz="2800" dirty="0" smtClean="0"/>
+              <a:t>4.  Non-functional Requirements</a:t>
+            </a:r>
+            <a:endParaRPr lang="en-ZA" sz="2800" dirty="0"/>
+          </a:p>
+          <a:p>
+            <a:endParaRPr lang="en-ZA" sz="2800" dirty="0"/>
+          </a:p>
+        </p:txBody>
+      </p:sp>
+    </p:spTree>
+    <p:extLst>
+      <p:ext uri="{BB962C8B-B14F-4D97-AF65-F5344CB8AC3E}">
+        <p14:creationId xmlns:p14="http://schemas.microsoft.com/office/powerpoint/2010/main" val="1654129114"/>
+      </p:ext>
+    </p:extLst>
+  </p:cSld>
+  <p:clrMapOvr>
+    <a:masterClrMapping/>
+  </p:clrMapOvr>
+  <p:transition spd="slow">
+    <p:comb/>
+  </p:transition>
+  <p:timing>
+    <p:tnLst>
+      <p:par>
+        <p:cTn id="1" dur="indefinite" restart="never" nodeType="tmRoot">
+          <p:childTnLst>
+            <p:seq concurrent="1" nextAc="seek">
+              <p:cTn id="2" dur="indefinite" nodeType="mainSeq">
+                <p:childTnLst>
+                  <p:par>
+                    <p:cTn id="3" fill="hold">
+                      <p:stCondLst>
+                        <p:cond delay="indefinite"/>
+                      </p:stCondLst>
+                      <p:childTnLst>
+                        <p:par>
+                          <p:cTn id="4" fill="hold">
+                            <p:stCondLst>
+                              <p:cond delay="0"/>
+                            </p:stCondLst>
+                            <p:childTnLst>
+                              <p:par>
+                                <p:cTn id="5" presetID="26" presetClass="emph" presetSubtype="0" fill="hold" grpId="0" nodeType="clickEffect">
+                                  <p:stCondLst>
+                                    <p:cond delay="0"/>
+                                  </p:stCondLst>
+                                  <p:childTnLst>
+                                    <p:animEffect transition="out" filter="fade">
+                                      <p:cBhvr>
+                                        <p:cTn id="6" dur="500" tmFilter="0, 0; .2, .5; .8, .5; 1, 0"/>
+                                        <p:tgtEl>
+                                          <p:spTgt spid="4"/>
+                                        </p:tgtEl>
+                                      </p:cBhvr>
+                                    </p:animEffect>
+                                    <p:animScale>
+                                      <p:cBhvr>
+                                        <p:cTn id="7" dur="250" autoRev="1" fill="hold"/>
+                                        <p:tgtEl>
+                                          <p:spTgt spid="4"/>
+                                        </p:tgtEl>
+                                      </p:cBhvr>
+                                      <p:by x="105000" y="105000"/>
+                                    </p:animScale>
+                                  </p:childTnLst>
+                                </p:cTn>
+                              </p:par>
+                            </p:childTnLst>
+                          </p:cTn>
+                        </p:par>
+                      </p:childTnLst>
+                    </p:cTn>
+                  </p:par>
+                </p:childTnLst>
+              </p:cTn>
+              <p:prevCondLst>
+                <p:cond evt="onPrev" delay="0">
+                  <p:tgtEl>
+                    <p:sldTgt/>
+                  </p:tgtEl>
+                </p:cond>
+              </p:prevCondLst>
+              <p:nextCondLst>
+                <p:cond evt="onNext" delay="0">
+                  <p:tgtEl>
+                    <p:sldTgt/>
+                  </p:tgtEl>
+                </p:cond>
+              </p:nextCondLst>
+            </p:seq>
+          </p:childTnLst>
+        </p:cTn>
+      </p:par>
+    </p:tnLst>
+    <p:bldLst>
+      <p:bldP spid="4" grpId="0"/>
+    </p:bldLst>
+  </p:timing>
+</p:sld>
+</file>
+
+<file path=ppt/slides/slide8.xml><?xml version="1.0" encoding="utf-8"?>
 <p:sld xmlns:a="http://schemas.openxmlformats.org/drawingml/2006/main" xmlns:r="http://schemas.openxmlformats.org/officeDocument/2006/relationships" xmlns:p="http://schemas.openxmlformats.org/presentationml/2006/main">
   <p:cSld>
     <p:spTree>
@@ -6137,22 +7186,142 @@
   <p:clrMapOvr>
     <a:masterClrMapping/>
   </p:clrMapOvr>
-  <mc:AlternateContent xmlns:mc="http://schemas.openxmlformats.org/markup-compatibility/2006" xmlns:p14="http://schemas.microsoft.com/office/powerpoint/2010/main">
-    <mc:Choice Requires="p14">
-      <p:transition spd="med" p14:dur="700">
-        <p:fade/>
-      </p:transition>
-    </mc:Choice>
-    <mc:Fallback xmlns="">
-      <p:transition spd="med">
-        <p:fade/>
-      </p:transition>
-    </mc:Fallback>
-  </mc:AlternateContent>
+  <p:transition spd="slow">
+    <p:wheel spokes="1"/>
+  </p:transition>
+  <p:timing>
+    <p:tnLst>
+      <p:par>
+        <p:cTn id="1" dur="indefinite" restart="never" nodeType="tmRoot">
+          <p:childTnLst>
+            <p:seq concurrent="1" nextAc="seek">
+              <p:cTn id="2" dur="indefinite" nodeType="mainSeq">
+                <p:childTnLst>
+                  <p:par>
+                    <p:cTn id="3" fill="hold">
+                      <p:stCondLst>
+                        <p:cond delay="indefinite"/>
+                      </p:stCondLst>
+                      <p:childTnLst>
+                        <p:par>
+                          <p:cTn id="4" fill="hold">
+                            <p:stCondLst>
+                              <p:cond delay="0"/>
+                            </p:stCondLst>
+                            <p:childTnLst>
+                              <p:par>
+                                <p:cTn id="5" presetID="45" presetClass="entr" presetSubtype="0" fill="hold" nodeType="clickEffect">
+                                  <p:stCondLst>
+                                    <p:cond delay="0"/>
+                                  </p:stCondLst>
+                                  <p:childTnLst>
+                                    <p:set>
+                                      <p:cBhvr>
+                                        <p:cTn id="6" dur="1" fill="hold">
+                                          <p:stCondLst>
+                                            <p:cond delay="0"/>
+                                          </p:stCondLst>
+                                        </p:cTn>
+                                        <p:tgtEl>
+                                          <p:spTgt spid="3"/>
+                                        </p:tgtEl>
+                                        <p:attrNameLst>
+                                          <p:attrName>style.visibility</p:attrName>
+                                        </p:attrNameLst>
+                                      </p:cBhvr>
+                                      <p:to>
+                                        <p:strVal val="visible"/>
+                                      </p:to>
+                                    </p:set>
+                                    <p:animEffect transition="in" filter="fade">
+                                      <p:cBhvr>
+                                        <p:cTn id="7" dur="2000"/>
+                                        <p:tgtEl>
+                                          <p:spTgt spid="3"/>
+                                        </p:tgtEl>
+                                      </p:cBhvr>
+                                    </p:animEffect>
+                                    <p:anim calcmode="lin" valueType="num">
+                                      <p:cBhvr>
+                                        <p:cTn id="8" dur="2000" fill="hold"/>
+                                        <p:tgtEl>
+                                          <p:spTgt spid="3"/>
+                                        </p:tgtEl>
+                                        <p:attrNameLst>
+                                          <p:attrName>ppt_w</p:attrName>
+                                        </p:attrNameLst>
+                                      </p:cBhvr>
+                                      <p:tavLst>
+                                        <p:tav tm="0" fmla="#ppt_w*sin(2.5*pi*$)">
+                                          <p:val>
+                                            <p:fltVal val="0"/>
+                                          </p:val>
+                                        </p:tav>
+                                        <p:tav tm="100000">
+                                          <p:val>
+                                            <p:fltVal val="1"/>
+                                          </p:val>
+                                        </p:tav>
+                                      </p:tavLst>
+                                    </p:anim>
+                                    <p:anim calcmode="lin" valueType="num">
+                                      <p:cBhvr>
+                                        <p:cTn id="9" dur="2000" fill="hold"/>
+                                        <p:tgtEl>
+                                          <p:spTgt spid="3"/>
+                                        </p:tgtEl>
+                                        <p:attrNameLst>
+                                          <p:attrName>ppt_h</p:attrName>
+                                        </p:attrNameLst>
+                                      </p:cBhvr>
+                                      <p:tavLst>
+                                        <p:tav tm="0">
+                                          <p:val>
+                                            <p:strVal val="#ppt_h"/>
+                                          </p:val>
+                                        </p:tav>
+                                        <p:tav tm="100000">
+                                          <p:val>
+                                            <p:strVal val="#ppt_h"/>
+                                          </p:val>
+                                        </p:tav>
+                                      </p:tavLst>
+                                    </p:anim>
+                                  </p:childTnLst>
+                                </p:cTn>
+                              </p:par>
+                            </p:childTnLst>
+                          </p:cTn>
+                        </p:par>
+                      </p:childTnLst>
+                    </p:cTn>
+                  </p:par>
+                </p:childTnLst>
+              </p:cTn>
+              <p:prevCondLst>
+                <p:cond evt="onPrev" delay="0">
+                  <p:tgtEl>
+                    <p:sldTgt/>
+                  </p:tgtEl>
+                </p:cond>
+              </p:prevCondLst>
+              <p:nextCondLst>
+                <p:cond evt="onNext" delay="0">
+                  <p:tgtEl>
+                    <p:sldTgt/>
+                  </p:tgtEl>
+                </p:cond>
+              </p:nextCondLst>
+            </p:seq>
+          </p:childTnLst>
+        </p:cTn>
+      </p:par>
+    </p:tnLst>
+  </p:timing>
 </p:sld>
 </file>
 
-<file path=ppt/slides/slide8.xml><?xml version="1.0" encoding="utf-8"?>
+<file path=ppt/slides/slide9.xml><?xml version="1.0" encoding="utf-8"?>
 <p:sld xmlns:a="http://schemas.openxmlformats.org/drawingml/2006/main" xmlns:r="http://schemas.openxmlformats.org/officeDocument/2006/relationships" xmlns:p="http://schemas.openxmlformats.org/presentationml/2006/main">
   <p:cSld>
     <p:spTree>
@@ -6192,6 +7361,36 @@
           </a:p>
         </p:txBody>
       </p:sp>
+      <p:pic>
+        <p:nvPicPr>
+          <p:cNvPr id="2" name="Picture 1"/>
+          <p:cNvPicPr>
+            <a:picLocks noChangeAspect="1"/>
+          </p:cNvPicPr>
+          <p:nvPr/>
+        </p:nvPicPr>
+        <p:blipFill>
+          <a:blip r:embed="rId2">
+            <a:extLst>
+              <a:ext uri="{28A0092B-C50C-407E-A947-70E740481C1C}">
+                <a14:useLocalDpi xmlns:a14="http://schemas.microsoft.com/office/drawing/2010/main" val="0"/>
+              </a:ext>
+            </a:extLst>
+          </a:blip>
+          <a:stretch>
+            <a:fillRect/>
+          </a:stretch>
+        </p:blipFill>
+        <p:spPr>
+          <a:xfrm>
+            <a:off x="1972863" y="2057400"/>
+            <a:ext cx="9637590" cy="3276781"/>
+          </a:xfrm>
+          <a:prstGeom prst="rect">
+            <a:avLst/>
+          </a:prstGeom>
+        </p:spPr>
+      </p:pic>
     </p:spTree>
     <p:extLst>
       <p:ext uri="{BB962C8B-B14F-4D97-AF65-F5344CB8AC3E}">
@@ -6202,60 +7401,93 @@
   <p:clrMapOvr>
     <a:masterClrMapping/>
   </p:clrMapOvr>
-  <mc:AlternateContent xmlns:mc="http://schemas.openxmlformats.org/markup-compatibility/2006" xmlns:p14="http://schemas.microsoft.com/office/powerpoint/2010/main">
-    <mc:Choice Requires="p14">
-      <p:transition spd="med" p14:dur="700">
-        <p:fade/>
+  <mc:AlternateContent xmlns:mc="http://schemas.openxmlformats.org/markup-compatibility/2006">
+    <mc:Choice xmlns:p14="http://schemas.microsoft.com/office/powerpoint/2010/main" Requires="p14">
+      <p:transition spd="slow" p14:dur="1400">
+        <p14:doors dir="vert"/>
       </p:transition>
     </mc:Choice>
-    <mc:Fallback xmlns="">
-      <p:transition spd="med">
+    <mc:Fallback>
+      <p:transition spd="slow">
         <p:fade/>
       </p:transition>
     </mc:Fallback>
   </mc:AlternateContent>
-</p:sld>
-</file>
-
-<file path=ppt/slides/slide9.xml><?xml version="1.0" encoding="utf-8"?>
-<p:sld xmlns:a="http://schemas.openxmlformats.org/drawingml/2006/main" xmlns:r="http://schemas.openxmlformats.org/officeDocument/2006/relationships" xmlns:p="http://schemas.openxmlformats.org/presentationml/2006/main">
-  <p:cSld>
-    <p:spTree>
-      <p:nvGrpSpPr>
-        <p:cNvPr id="1" name=""/>
-        <p:cNvGrpSpPr/>
-        <p:nvPr/>
-      </p:nvGrpSpPr>
-      <p:grpSpPr>
-        <a:xfrm>
-          <a:off x="0" y="0"/>
-          <a:ext cx="0" cy="0"/>
-          <a:chOff x="0" y="0"/>
-          <a:chExt cx="0" cy="0"/>
-        </a:xfrm>
-      </p:grpSpPr>
-    </p:spTree>
-    <p:extLst>
-      <p:ext uri="{BB962C8B-B14F-4D97-AF65-F5344CB8AC3E}">
-        <p14:creationId xmlns:p14="http://schemas.microsoft.com/office/powerpoint/2010/main" val="1405850135"/>
-      </p:ext>
-    </p:extLst>
-  </p:cSld>
-  <p:clrMapOvr>
-    <a:masterClrMapping/>
-  </p:clrMapOvr>
-  <mc:AlternateContent xmlns:mc="http://schemas.openxmlformats.org/markup-compatibility/2006" xmlns:p14="http://schemas.microsoft.com/office/powerpoint/2010/main">
-    <mc:Choice Requires="p14">
-      <p:transition spd="med" p14:dur="700">
-        <p:fade/>
-      </p:transition>
-    </mc:Choice>
-    <mc:Fallback xmlns="">
-      <p:transition spd="med">
-        <p:fade/>
-      </p:transition>
-    </mc:Fallback>
-  </mc:AlternateContent>
+  <p:timing>
+    <p:tnLst>
+      <p:par>
+        <p:cTn id="1" dur="indefinite" restart="never" nodeType="tmRoot">
+          <p:childTnLst>
+            <p:seq concurrent="1" nextAc="seek">
+              <p:cTn id="2" dur="indefinite" nodeType="mainSeq">
+                <p:childTnLst>
+                  <p:par>
+                    <p:cTn id="3" fill="hold">
+                      <p:stCondLst>
+                        <p:cond delay="indefinite"/>
+                      </p:stCondLst>
+                      <p:childTnLst>
+                        <p:par>
+                          <p:cTn id="4" fill="hold">
+                            <p:stCondLst>
+                              <p:cond delay="0"/>
+                            </p:stCondLst>
+                            <p:childTnLst>
+                              <p:par>
+                                <p:cTn id="5" presetID="1" presetClass="entr" presetSubtype="0" fill="hold" nodeType="clickEffect">
+                                  <p:stCondLst>
+                                    <p:cond delay="0"/>
+                                  </p:stCondLst>
+                                  <p:childTnLst>
+                                    <p:set>
+                                      <p:cBhvr>
+                                        <p:cTn id="6" dur="1" fill="hold">
+                                          <p:stCondLst>
+                                            <p:cond delay="0"/>
+                                          </p:stCondLst>
+                                        </p:cTn>
+                                        <p:tgtEl>
+                                          <p:spTgt spid="2"/>
+                                        </p:tgtEl>
+                                        <p:attrNameLst>
+                                          <p:attrName>style.visibility</p:attrName>
+                                        </p:attrNameLst>
+                                      </p:cBhvr>
+                                      <p:to>
+                                        <p:strVal val="visible"/>
+                                      </p:to>
+                                    </p:set>
+                                  </p:childTnLst>
+                                </p:cTn>
+                              </p:par>
+                            </p:childTnLst>
+                          </p:cTn>
+                        </p:par>
+                      </p:childTnLst>
+                    </p:cTn>
+                  </p:par>
+                </p:childTnLst>
+              </p:cTn>
+              <p:prevCondLst>
+                <p:cond evt="onPrev" delay="0">
+                  <p:tgtEl>
+                    <p:sldTgt/>
+                  </p:tgtEl>
+                </p:cond>
+              </p:prevCondLst>
+              <p:nextCondLst>
+                <p:cond evt="onNext" delay="0">
+                  <p:tgtEl>
+                    <p:sldTgt/>
+                  </p:tgtEl>
+                </p:cond>
+              </p:nextCondLst>
+            </p:seq>
+          </p:childTnLst>
+        </p:cTn>
+      </p:par>
+    </p:tnLst>
+  </p:timing>
 </p:sld>
 </file>
 
@@ -7210,6 +8442,15 @@
 </file>
 
 <file path=customXml/item1.xml><?xml version="1.0" encoding="utf-8"?>
+<?mso-contentType ?>
+<FormTemplates xmlns="http://schemas.microsoft.com/sharepoint/v3/contenttype/forms">
+  <Display>DocumentLibraryForm</Display>
+  <Edit>AssetEditForm</Edit>
+  <New>DocumentLibraryForm</New>
+</FormTemplates>
+</file>
+
+<file path=customXml/item2.xml><?xml version="1.0" encoding="utf-8"?>
 <p:properties xmlns:p="http://schemas.microsoft.com/office/2006/metadata/properties" xmlns:xsi="http://www.w3.org/2001/XMLSchema-instance" xmlns:pc="http://schemas.microsoft.com/office/infopath/2007/PartnerControls">
   <documentManagement>
     <LocPublishedLinkedAssetsLookup xmlns="4873beb7-5857-4685-be1f-d57550cc96cc" xsi:nil="true"/>
@@ -7343,15 +8584,6 @@
     <LocMarketGroupTiers2 xmlns="4873beb7-5857-4685-be1f-d57550cc96cc" xsi:nil="true"/>
   </documentManagement>
 </p:properties>
-</file>
-
-<file path=customXml/item2.xml><?xml version="1.0" encoding="utf-8"?>
-<?mso-contentType ?>
-<FormTemplates xmlns="http://schemas.microsoft.com/sharepoint/v3/contenttype/forms">
-  <Display>DocumentLibraryForm</Display>
-  <Edit>AssetEditForm</Edit>
-  <New>DocumentLibraryForm</New>
-</FormTemplates>
 </file>
 
 <file path=customXml/item3.xml><?xml version="1.0" encoding="utf-8"?>
@@ -8395,25 +9627,25 @@
 </file>
 
 <file path=customXml/itemProps1.xml><?xml version="1.0" encoding="utf-8"?>
-<ds:datastoreItem xmlns:ds="http://schemas.openxmlformats.org/officeDocument/2006/customXml" ds:itemID="{60C67BEE-D13F-4BD2-98A5-34D8A0977F68}">
+<ds:datastoreItem xmlns:ds="http://schemas.openxmlformats.org/officeDocument/2006/customXml" ds:itemID="{3836F65B-1B07-41EE-A0E8-BC6EF3855225}">
   <ds:schemaRefs>
-    <ds:schemaRef ds:uri="4873beb7-5857-4685-be1f-d57550cc96cc"/>
-    <ds:schemaRef ds:uri="http://schemas.openxmlformats.org/package/2006/metadata/core-properties"/>
-    <ds:schemaRef ds:uri="http://purl.org/dc/terms/"/>
-    <ds:schemaRef ds:uri="http://schemas.microsoft.com/office/2006/documentManagement/types"/>
-    <ds:schemaRef ds:uri="http://purl.org/dc/elements/1.1/"/>
-    <ds:schemaRef ds:uri="http://schemas.microsoft.com/office/2006/metadata/properties"/>
-    <ds:schemaRef ds:uri="http://schemas.microsoft.com/office/infopath/2007/PartnerControls"/>
-    <ds:schemaRef ds:uri="http://www.w3.org/XML/1998/namespace"/>
-    <ds:schemaRef ds:uri="http://purl.org/dc/dcmitype/"/>
+    <ds:schemaRef ds:uri="http://schemas.microsoft.com/sharepoint/v3/contenttype/forms"/>
   </ds:schemaRefs>
 </ds:datastoreItem>
 </file>
 
 <file path=customXml/itemProps2.xml><?xml version="1.0" encoding="utf-8"?>
-<ds:datastoreItem xmlns:ds="http://schemas.openxmlformats.org/officeDocument/2006/customXml" ds:itemID="{3836F65B-1B07-41EE-A0E8-BC6EF3855225}">
+<ds:datastoreItem xmlns:ds="http://schemas.openxmlformats.org/officeDocument/2006/customXml" ds:itemID="{60C67BEE-D13F-4BD2-98A5-34D8A0977F68}">
   <ds:schemaRefs>
-    <ds:schemaRef ds:uri="http://schemas.microsoft.com/sharepoint/v3/contenttype/forms"/>
+    <ds:schemaRef ds:uri="http://schemas.microsoft.com/office/2006/documentManagement/types"/>
+    <ds:schemaRef ds:uri="http://schemas.microsoft.com/office/infopath/2007/PartnerControls"/>
+    <ds:schemaRef ds:uri="http://purl.org/dc/elements/1.1/"/>
+    <ds:schemaRef ds:uri="http://schemas.microsoft.com/office/2006/metadata/properties"/>
+    <ds:schemaRef ds:uri="http://purl.org/dc/terms/"/>
+    <ds:schemaRef ds:uri="http://schemas.openxmlformats.org/package/2006/metadata/core-properties"/>
+    <ds:schemaRef ds:uri="4873beb7-5857-4685-be1f-d57550cc96cc"/>
+    <ds:schemaRef ds:uri="http://www.w3.org/XML/1998/namespace"/>
+    <ds:schemaRef ds:uri="http://purl.org/dc/dcmitype/"/>
   </ds:schemaRefs>
 </ds:datastoreItem>
 </file>
